--- a/10_TrainValidateTest.pptx
+++ b/10_TrainValidateTest.pptx
@@ -5,7 +5,7 @@
     <p:sldMasterId id="2147483648" r:id="rId1"/>
   </p:sldMasterIdLst>
   <p:notesMasterIdLst>
-    <p:notesMasterId r:id="rId13"/>
+    <p:notesMasterId r:id="rId14"/>
   </p:notesMasterIdLst>
   <p:sldIdLst>
     <p:sldId id="256" r:id="rId2"/>
@@ -13,12 +13,13 @@
     <p:sldId id="282" r:id="rId4"/>
     <p:sldId id="283" r:id="rId5"/>
     <p:sldId id="272" r:id="rId6"/>
-    <p:sldId id="274" r:id="rId7"/>
-    <p:sldId id="281" r:id="rId8"/>
-    <p:sldId id="284" r:id="rId9"/>
-    <p:sldId id="285" r:id="rId10"/>
-    <p:sldId id="286" r:id="rId11"/>
-    <p:sldId id="259" r:id="rId12"/>
+    <p:sldId id="287" r:id="rId7"/>
+    <p:sldId id="274" r:id="rId8"/>
+    <p:sldId id="281" r:id="rId9"/>
+    <p:sldId id="284" r:id="rId10"/>
+    <p:sldId id="285" r:id="rId11"/>
+    <p:sldId id="286" r:id="rId12"/>
+    <p:sldId id="259" r:id="rId13"/>
   </p:sldIdLst>
   <p:sldSz cx="9144000" cy="6858000" type="screen4x3"/>
   <p:notesSz cx="6858000" cy="9144000"/>
@@ -219,7 +220,7 @@
             <a:fld id="{6837EDA8-41C8-4B24-A206-13C08A65A6D7}" type="datetimeFigureOut">
               <a:rPr lang="zh-TW" altLang="en-US" smtClean="0"/>
               <a:pPr/>
-              <a:t>2020/6/4</a:t>
+              <a:t>2020/6/6</a:t>
             </a:fld>
             <a:endParaRPr lang="zh-TW" altLang="en-US"/>
           </a:p>
@@ -672,7 +673,7 @@
             <a:fld id="{8B85509C-BD4F-47BF-9B1E-FC2E949B3621}" type="datetime1">
               <a:rPr lang="zh-TW" altLang="en-US" smtClean="0"/>
               <a:pPr/>
-              <a:t>2020/6/4</a:t>
+              <a:t>2020/6/6</a:t>
             </a:fld>
             <a:endParaRPr lang="zh-TW" altLang="en-US"/>
           </a:p>
@@ -845,7 +846,7 @@
             <a:fld id="{42251B24-F787-4C15-8A0F-7AEC20C70069}" type="datetime1">
               <a:rPr lang="zh-TW" altLang="en-US" smtClean="0"/>
               <a:pPr/>
-              <a:t>2020/6/4</a:t>
+              <a:t>2020/6/6</a:t>
             </a:fld>
             <a:endParaRPr lang="zh-TW" altLang="en-US"/>
           </a:p>
@@ -1020,7 +1021,7 @@
             <a:fld id="{9CA0D33C-CE2B-45F1-B8D4-FFD1F131F331}" type="datetime1">
               <a:rPr lang="zh-TW" altLang="en-US" smtClean="0"/>
               <a:pPr/>
-              <a:t>2020/6/4</a:t>
+              <a:t>2020/6/6</a:t>
             </a:fld>
             <a:endParaRPr lang="zh-TW" altLang="en-US"/>
           </a:p>
@@ -1185,7 +1186,7 @@
             <a:fld id="{50B99440-D9EF-40CC-9B52-F6428D9B2C76}" type="datetime1">
               <a:rPr lang="zh-TW" altLang="en-US" smtClean="0"/>
               <a:pPr/>
-              <a:t>2020/6/4</a:t>
+              <a:t>2020/6/6</a:t>
             </a:fld>
             <a:endParaRPr lang="zh-TW" altLang="en-US"/>
           </a:p>
@@ -1427,7 +1428,7 @@
             <a:fld id="{0871BF52-5C6C-4959-8E27-CECB68D39FE4}" type="datetime1">
               <a:rPr lang="zh-TW" altLang="en-US" smtClean="0"/>
               <a:pPr/>
-              <a:t>2020/6/4</a:t>
+              <a:t>2020/6/6</a:t>
             </a:fld>
             <a:endParaRPr lang="zh-TW" altLang="en-US"/>
           </a:p>
@@ -1709,7 +1710,7 @@
             <a:fld id="{DF863F05-2DD9-4EB1-A827-12FD992DE9DC}" type="datetime1">
               <a:rPr lang="zh-TW" altLang="en-US" smtClean="0"/>
               <a:pPr/>
-              <a:t>2020/6/4</a:t>
+              <a:t>2020/6/6</a:t>
             </a:fld>
             <a:endParaRPr lang="zh-TW" altLang="en-US"/>
           </a:p>
@@ -2125,7 +2126,7 @@
             <a:fld id="{6339AF51-4491-4873-A096-75DB6CE47516}" type="datetime1">
               <a:rPr lang="zh-TW" altLang="en-US" smtClean="0"/>
               <a:pPr/>
-              <a:t>2020/6/4</a:t>
+              <a:t>2020/6/6</a:t>
             </a:fld>
             <a:endParaRPr lang="zh-TW" altLang="en-US"/>
           </a:p>
@@ -2239,7 +2240,7 @@
             <a:fld id="{EE4AD9C8-8B9E-40FF-ABE2-858AC2057BBB}" type="datetime1">
               <a:rPr lang="zh-TW" altLang="en-US" smtClean="0"/>
               <a:pPr/>
-              <a:t>2020/6/4</a:t>
+              <a:t>2020/6/6</a:t>
             </a:fld>
             <a:endParaRPr lang="zh-TW" altLang="en-US"/>
           </a:p>
@@ -2331,7 +2332,7 @@
             <a:fld id="{B4784999-BBBE-4BE4-A8D0-877E7D1D66CC}" type="datetime1">
               <a:rPr lang="zh-TW" altLang="en-US" smtClean="0"/>
               <a:pPr/>
-              <a:t>2020/6/4</a:t>
+              <a:t>2020/6/6</a:t>
             </a:fld>
             <a:endParaRPr lang="zh-TW" altLang="en-US"/>
           </a:p>
@@ -2603,7 +2604,7 @@
             <a:fld id="{E88D17E6-02BD-4944-B9FE-7BFCCBF83D48}" type="datetime1">
               <a:rPr lang="zh-TW" altLang="en-US" smtClean="0"/>
               <a:pPr/>
-              <a:t>2020/6/4</a:t>
+              <a:t>2020/6/6</a:t>
             </a:fld>
             <a:endParaRPr lang="zh-TW" altLang="en-US"/>
           </a:p>
@@ -2852,7 +2853,7 @@
             <a:fld id="{3C13E23D-1FEF-4D78-A3A3-3D6F2BB31954}" type="datetime1">
               <a:rPr lang="zh-TW" altLang="en-US" smtClean="0"/>
               <a:pPr/>
-              <a:t>2020/6/4</a:t>
+              <a:t>2020/6/6</a:t>
             </a:fld>
             <a:endParaRPr lang="zh-TW" altLang="en-US"/>
           </a:p>
@@ -3060,7 +3061,7 @@
             <a:fld id="{06197F35-AD6F-4594-8B50-334492D2E7E8}" type="datetime1">
               <a:rPr lang="zh-TW" altLang="en-US" smtClean="0"/>
               <a:pPr/>
-              <a:t>2020/6/4</a:t>
+              <a:t>2020/6/6</a:t>
             </a:fld>
             <a:endParaRPr lang="zh-TW" altLang="en-US"/>
           </a:p>
@@ -3521,7 +3522,7 @@
             <a:fld id="{C389EDC9-19E3-47AC-9C57-C6A24DEA81AD}" type="datetime1">
               <a:rPr lang="zh-TW" altLang="en-US" smtClean="0"/>
               <a:pPr/>
-              <a:t>2020/6/4</a:t>
+              <a:t>2020/6/6</a:t>
             </a:fld>
             <a:endParaRPr lang="zh-TW" altLang="en-US"/>
           </a:p>
@@ -3770,7 +3771,7 @@
             <a:fld id="{A4F910E6-8D00-4BAF-8C48-9688E0B449D3}" type="datetime1">
               <a:rPr lang="zh-TW" altLang="en-US" smtClean="0"/>
               <a:pPr/>
-              <a:t>2020/6/4</a:t>
+              <a:t>2020/6/6</a:t>
             </a:fld>
             <a:endParaRPr lang="zh-TW" altLang="en-US"/>
           </a:p>
@@ -3795,6 +3796,455 @@
               <a:rPr lang="zh-TW" altLang="en-US" smtClean="0"/>
               <a:pPr/>
               <a:t>10</a:t>
+            </a:fld>
+            <a:endParaRPr lang="zh-TW" altLang="en-US"/>
+          </a:p>
+        </p:txBody>
+      </p:sp>
+      <p:sp>
+        <p:nvSpPr>
+          <p:cNvPr id="10" name="副標題 2">
+            <a:extLst>
+              <a:ext uri="{FF2B5EF4-FFF2-40B4-BE49-F238E27FC236}">
+                <a16:creationId xmlns:a16="http://schemas.microsoft.com/office/drawing/2014/main" id="{85E3A0F9-8A12-49C5-96C7-A2424A576F44}"/>
+              </a:ext>
+            </a:extLst>
+          </p:cNvPr>
+          <p:cNvSpPr txBox="1">
+            <a:spLocks/>
+          </p:cNvSpPr>
+          <p:nvPr/>
+        </p:nvSpPr>
+        <p:spPr>
+          <a:xfrm>
+            <a:off x="510362" y="1196753"/>
+            <a:ext cx="1109310" cy="396836"/>
+          </a:xfrm>
+          <a:prstGeom prst="rect">
+            <a:avLst/>
+          </a:prstGeom>
+          <a:ln>
+            <a:solidFill>
+              <a:srgbClr val="C00000"/>
+            </a:solidFill>
+          </a:ln>
+        </p:spPr>
+        <p:txBody>
+          <a:bodyPr vert="horz" lIns="91440" tIns="45720" rIns="91440" bIns="45720" rtlCol="0">
+            <a:noAutofit/>
+          </a:bodyPr>
+          <a:lstStyle>
+            <a:lvl1pPr marL="0" indent="0" algn="ctr" defTabSz="914400" rtl="0" eaLnBrk="1" latinLnBrk="0" hangingPunct="1">
+              <a:spcBef>
+                <a:spcPct val="20000"/>
+              </a:spcBef>
+              <a:buFont typeface="Arial" pitchFamily="34" charset="0"/>
+              <a:buNone/>
+              <a:defRPr sz="3200" kern="1200">
+                <a:solidFill>
+                  <a:schemeClr val="tx1">
+                    <a:tint val="75000"/>
+                  </a:schemeClr>
+                </a:solidFill>
+                <a:latin typeface="+mn-lt"/>
+                <a:ea typeface="+mn-ea"/>
+                <a:cs typeface="+mn-cs"/>
+              </a:defRPr>
+            </a:lvl1pPr>
+            <a:lvl2pPr marL="457200" indent="0" algn="ctr" defTabSz="914400" rtl="0" eaLnBrk="1" latinLnBrk="0" hangingPunct="1">
+              <a:spcBef>
+                <a:spcPct val="20000"/>
+              </a:spcBef>
+              <a:buFont typeface="Arial" pitchFamily="34" charset="0"/>
+              <a:buNone/>
+              <a:defRPr sz="2800" kern="1200">
+                <a:solidFill>
+                  <a:schemeClr val="tx1">
+                    <a:tint val="75000"/>
+                  </a:schemeClr>
+                </a:solidFill>
+                <a:latin typeface="+mn-lt"/>
+                <a:ea typeface="+mn-ea"/>
+                <a:cs typeface="+mn-cs"/>
+              </a:defRPr>
+            </a:lvl2pPr>
+            <a:lvl3pPr marL="914400" indent="0" algn="ctr" defTabSz="914400" rtl="0" eaLnBrk="1" latinLnBrk="0" hangingPunct="1">
+              <a:spcBef>
+                <a:spcPct val="20000"/>
+              </a:spcBef>
+              <a:buFont typeface="Arial" pitchFamily="34" charset="0"/>
+              <a:buNone/>
+              <a:defRPr sz="2400" kern="1200">
+                <a:solidFill>
+                  <a:schemeClr val="tx1">
+                    <a:tint val="75000"/>
+                  </a:schemeClr>
+                </a:solidFill>
+                <a:latin typeface="+mn-lt"/>
+                <a:ea typeface="+mn-ea"/>
+                <a:cs typeface="+mn-cs"/>
+              </a:defRPr>
+            </a:lvl3pPr>
+            <a:lvl4pPr marL="1371600" indent="0" algn="ctr" defTabSz="914400" rtl="0" eaLnBrk="1" latinLnBrk="0" hangingPunct="1">
+              <a:spcBef>
+                <a:spcPct val="20000"/>
+              </a:spcBef>
+              <a:buFont typeface="Arial" pitchFamily="34" charset="0"/>
+              <a:buNone/>
+              <a:defRPr sz="2000" kern="1200">
+                <a:solidFill>
+                  <a:schemeClr val="tx1">
+                    <a:tint val="75000"/>
+                  </a:schemeClr>
+                </a:solidFill>
+                <a:latin typeface="+mn-lt"/>
+                <a:ea typeface="+mn-ea"/>
+                <a:cs typeface="+mn-cs"/>
+              </a:defRPr>
+            </a:lvl4pPr>
+            <a:lvl5pPr marL="1828800" indent="0" algn="ctr" defTabSz="914400" rtl="0" eaLnBrk="1" latinLnBrk="0" hangingPunct="1">
+              <a:spcBef>
+                <a:spcPct val="20000"/>
+              </a:spcBef>
+              <a:buFont typeface="Arial" pitchFamily="34" charset="0"/>
+              <a:buNone/>
+              <a:defRPr sz="2000" kern="1200">
+                <a:solidFill>
+                  <a:schemeClr val="tx1">
+                    <a:tint val="75000"/>
+                  </a:schemeClr>
+                </a:solidFill>
+                <a:latin typeface="+mn-lt"/>
+                <a:ea typeface="+mn-ea"/>
+                <a:cs typeface="+mn-cs"/>
+              </a:defRPr>
+            </a:lvl5pPr>
+            <a:lvl6pPr marL="2286000" indent="0" algn="ctr" defTabSz="914400" rtl="0" eaLnBrk="1" latinLnBrk="0" hangingPunct="1">
+              <a:spcBef>
+                <a:spcPct val="20000"/>
+              </a:spcBef>
+              <a:buFont typeface="Arial" pitchFamily="34" charset="0"/>
+              <a:buNone/>
+              <a:defRPr sz="2000" kern="1200">
+                <a:solidFill>
+                  <a:schemeClr val="tx1">
+                    <a:tint val="75000"/>
+                  </a:schemeClr>
+                </a:solidFill>
+                <a:latin typeface="+mn-lt"/>
+                <a:ea typeface="+mn-ea"/>
+                <a:cs typeface="+mn-cs"/>
+              </a:defRPr>
+            </a:lvl6pPr>
+            <a:lvl7pPr marL="2743200" indent="0" algn="ctr" defTabSz="914400" rtl="0" eaLnBrk="1" latinLnBrk="0" hangingPunct="1">
+              <a:spcBef>
+                <a:spcPct val="20000"/>
+              </a:spcBef>
+              <a:buFont typeface="Arial" pitchFamily="34" charset="0"/>
+              <a:buNone/>
+              <a:defRPr sz="2000" kern="1200">
+                <a:solidFill>
+                  <a:schemeClr val="tx1">
+                    <a:tint val="75000"/>
+                  </a:schemeClr>
+                </a:solidFill>
+                <a:latin typeface="+mn-lt"/>
+                <a:ea typeface="+mn-ea"/>
+                <a:cs typeface="+mn-cs"/>
+              </a:defRPr>
+            </a:lvl7pPr>
+            <a:lvl8pPr marL="3200400" indent="0" algn="ctr" defTabSz="914400" rtl="0" eaLnBrk="1" latinLnBrk="0" hangingPunct="1">
+              <a:spcBef>
+                <a:spcPct val="20000"/>
+              </a:spcBef>
+              <a:buFont typeface="Arial" pitchFamily="34" charset="0"/>
+              <a:buNone/>
+              <a:defRPr sz="2000" kern="1200">
+                <a:solidFill>
+                  <a:schemeClr val="tx1">
+                    <a:tint val="75000"/>
+                  </a:schemeClr>
+                </a:solidFill>
+                <a:latin typeface="+mn-lt"/>
+                <a:ea typeface="+mn-ea"/>
+                <a:cs typeface="+mn-cs"/>
+              </a:defRPr>
+            </a:lvl8pPr>
+            <a:lvl9pPr marL="3657600" indent="0" algn="ctr" defTabSz="914400" rtl="0" eaLnBrk="1" latinLnBrk="0" hangingPunct="1">
+              <a:spcBef>
+                <a:spcPct val="20000"/>
+              </a:spcBef>
+              <a:buFont typeface="Arial" pitchFamily="34" charset="0"/>
+              <a:buNone/>
+              <a:defRPr sz="2000" kern="1200">
+                <a:solidFill>
+                  <a:schemeClr val="tx1">
+                    <a:tint val="75000"/>
+                  </a:schemeClr>
+                </a:solidFill>
+                <a:latin typeface="+mn-lt"/>
+                <a:ea typeface="+mn-ea"/>
+                <a:cs typeface="+mn-cs"/>
+              </a:defRPr>
+            </a:lvl9pPr>
+          </a:lstStyle>
+          <a:p>
+            <a:pPr marL="342900" indent="-342900" algn="l">
+              <a:buClr>
+                <a:srgbClr val="0070C0"/>
+              </a:buClr>
+              <a:buSzPct val="80000"/>
+              <a:buFont typeface="Wingdings" pitchFamily="2" charset="2"/>
+              <a:buChar char="u"/>
+            </a:pPr>
+            <a:r>
+              <a:rPr lang="en-US" sz="1800" b="1" dirty="0">
+                <a:solidFill>
+                  <a:schemeClr val="tx1"/>
+                </a:solidFill>
+              </a:rPr>
+              <a:t>Quiz</a:t>
+            </a:r>
+          </a:p>
+        </p:txBody>
+      </p:sp>
+      <p:pic>
+        <p:nvPicPr>
+          <p:cNvPr id="7" name="Picture 6">
+            <a:extLst>
+              <a:ext uri="{FF2B5EF4-FFF2-40B4-BE49-F238E27FC236}">
+                <a16:creationId xmlns:a16="http://schemas.microsoft.com/office/drawing/2014/main" id="{3A36E5E9-068F-4DEE-862C-7BB41B16EEA0}"/>
+              </a:ext>
+            </a:extLst>
+          </p:cNvPr>
+          <p:cNvPicPr>
+            <a:picLocks noChangeAspect="1"/>
+          </p:cNvPicPr>
+          <p:nvPr/>
+        </p:nvPicPr>
+        <p:blipFill>
+          <a:blip r:embed="rId3"/>
+          <a:stretch>
+            <a:fillRect/>
+          </a:stretch>
+        </p:blipFill>
+        <p:spPr>
+          <a:xfrm>
+            <a:off x="2267744" y="1196753"/>
+            <a:ext cx="5616624" cy="5187631"/>
+          </a:xfrm>
+          <a:prstGeom prst="rect">
+            <a:avLst/>
+          </a:prstGeom>
+          <a:ln>
+            <a:solidFill>
+              <a:srgbClr val="C00000"/>
+            </a:solidFill>
+          </a:ln>
+        </p:spPr>
+      </p:pic>
+    </p:spTree>
+    <p:extLst>
+      <p:ext uri="{BB962C8B-B14F-4D97-AF65-F5344CB8AC3E}">
+        <p14:creationId xmlns:p14="http://schemas.microsoft.com/office/powerpoint/2010/main" val="3671784834"/>
+      </p:ext>
+    </p:extLst>
+  </p:cSld>
+  <p:clrMapOvr>
+    <a:masterClrMapping/>
+  </p:clrMapOvr>
+</p:sld>
+</file>
+
+<file path=ppt/slides/slide11.xml><?xml version="1.0" encoding="utf-8"?>
+<p:sld xmlns:a="http://schemas.openxmlformats.org/drawingml/2006/main" xmlns:r="http://schemas.openxmlformats.org/officeDocument/2006/relationships" xmlns:p="http://schemas.openxmlformats.org/presentationml/2006/main">
+  <p:cSld>
+    <p:spTree>
+      <p:nvGrpSpPr>
+        <p:cNvPr id="1" name=""/>
+        <p:cNvGrpSpPr/>
+        <p:nvPr/>
+      </p:nvGrpSpPr>
+      <p:grpSpPr>
+        <a:xfrm>
+          <a:off x="0" y="0"/>
+          <a:ext cx="0" cy="0"/>
+          <a:chOff x="0" y="0"/>
+          <a:chExt cx="0" cy="0"/>
+        </a:xfrm>
+      </p:grpSpPr>
+      <p:sp>
+        <p:nvSpPr>
+          <p:cNvPr id="2" name="標題 1"/>
+          <p:cNvSpPr>
+            <a:spLocks noGrp="1"/>
+          </p:cNvSpPr>
+          <p:nvPr>
+            <p:ph type="ctrTitle"/>
+          </p:nvPr>
+        </p:nvSpPr>
+        <p:spPr>
+          <a:xfrm>
+            <a:off x="0" y="1"/>
+            <a:ext cx="9144000" cy="764704"/>
+          </a:xfrm>
+          <a:gradFill flip="none" rotWithShape="1">
+            <a:gsLst>
+              <a:gs pos="0">
+                <a:srgbClr val="C00000">
+                  <a:shade val="30000"/>
+                  <a:satMod val="115000"/>
+                </a:srgbClr>
+              </a:gs>
+              <a:gs pos="50000">
+                <a:srgbClr val="C00000">
+                  <a:shade val="67500"/>
+                  <a:satMod val="115000"/>
+                </a:srgbClr>
+              </a:gs>
+              <a:gs pos="100000">
+                <a:srgbClr val="C00000">
+                  <a:shade val="100000"/>
+                  <a:satMod val="115000"/>
+                </a:srgbClr>
+              </a:gs>
+            </a:gsLst>
+            <a:path path="circle">
+              <a:fillToRect t="100000" r="100000"/>
+            </a:path>
+            <a:tileRect l="-100000" b="-100000"/>
+          </a:gradFill>
+        </p:spPr>
+        <p:txBody>
+          <a:bodyPr>
+            <a:normAutofit/>
+          </a:bodyPr>
+          <a:lstStyle/>
+          <a:p>
+            <a:pPr algn="l"/>
+            <a:r>
+              <a:rPr lang="en-US" altLang="zh-TW" b="1" dirty="0">
+                <a:solidFill>
+                  <a:srgbClr val="FFFF00"/>
+                </a:solidFill>
+              </a:rPr>
+              <a:t>10.1 Quiz</a:t>
+            </a:r>
+            <a:endParaRPr lang="zh-TW" altLang="en-US" b="1" dirty="0">
+              <a:solidFill>
+                <a:srgbClr val="FFFF00"/>
+              </a:solidFill>
+            </a:endParaRPr>
+          </a:p>
+        </p:txBody>
+      </p:sp>
+      <p:sp>
+        <p:nvSpPr>
+          <p:cNvPr id="4" name="標題 1"/>
+          <p:cNvSpPr txBox="1">
+            <a:spLocks/>
+          </p:cNvSpPr>
+          <p:nvPr/>
+        </p:nvSpPr>
+        <p:spPr>
+          <a:xfrm>
+            <a:off x="0" y="764704"/>
+            <a:ext cx="9144000" cy="360040"/>
+          </a:xfrm>
+          <a:prstGeom prst="rect">
+            <a:avLst/>
+          </a:prstGeom>
+          <a:gradFill flip="none" rotWithShape="1">
+            <a:gsLst>
+              <a:gs pos="0">
+                <a:srgbClr val="00B0F0">
+                  <a:shade val="30000"/>
+                  <a:satMod val="115000"/>
+                </a:srgbClr>
+              </a:gs>
+              <a:gs pos="50000">
+                <a:srgbClr val="00B0F0">
+                  <a:shade val="67500"/>
+                  <a:satMod val="115000"/>
+                </a:srgbClr>
+              </a:gs>
+              <a:gs pos="100000">
+                <a:srgbClr val="00B0F0">
+                  <a:shade val="100000"/>
+                  <a:satMod val="115000"/>
+                </a:srgbClr>
+              </a:gs>
+            </a:gsLst>
+            <a:path path="circle">
+              <a:fillToRect t="100000" r="100000"/>
+            </a:path>
+            <a:tileRect l="-100000" b="-100000"/>
+          </a:gradFill>
+        </p:spPr>
+        <p:txBody>
+          <a:bodyPr vert="horz" lIns="91440" tIns="45720" rIns="91440" bIns="45720" rtlCol="0" anchor="ctr">
+            <a:normAutofit/>
+          </a:bodyPr>
+          <a:lstStyle/>
+          <a:p>
+            <a:pPr lvl="0">
+              <a:spcBef>
+                <a:spcPct val="0"/>
+              </a:spcBef>
+            </a:pPr>
+            <a:r>
+              <a:rPr lang="en-US" sz="1600" dirty="0">
+                <a:hlinkClick r:id="rId2"/>
+              </a:rPr>
+              <a:t>https://www.youtube.com/watch?v=jWT-AX9677k&amp;list=PLZbbT5o_s2xq7LwI2y8_QtvuXZedL6tQU&amp;index=9</a:t>
+            </a:r>
+            <a:endParaRPr lang="zh-TW" altLang="en-US" sz="1600" dirty="0"/>
+          </a:p>
+        </p:txBody>
+      </p:sp>
+      <p:sp>
+        <p:nvSpPr>
+          <p:cNvPr id="5" name="日期版面配置區 4"/>
+          <p:cNvSpPr>
+            <a:spLocks noGrp="1"/>
+          </p:cNvSpPr>
+          <p:nvPr>
+            <p:ph type="dt" sz="half" idx="10"/>
+          </p:nvPr>
+        </p:nvSpPr>
+        <p:spPr/>
+        <p:txBody>
+          <a:bodyPr/>
+          <a:lstStyle/>
+          <a:p>
+            <a:fld id="{A4F910E6-8D00-4BAF-8C48-9688E0B449D3}" type="datetime1">
+              <a:rPr lang="zh-TW" altLang="en-US" smtClean="0"/>
+              <a:pPr/>
+              <a:t>2020/6/6</a:t>
+            </a:fld>
+            <a:endParaRPr lang="zh-TW" altLang="en-US"/>
+          </a:p>
+        </p:txBody>
+      </p:sp>
+      <p:sp>
+        <p:nvSpPr>
+          <p:cNvPr id="6" name="投影片編號版面配置區 5"/>
+          <p:cNvSpPr>
+            <a:spLocks noGrp="1"/>
+          </p:cNvSpPr>
+          <p:nvPr>
+            <p:ph type="sldNum" sz="quarter" idx="12"/>
+          </p:nvPr>
+        </p:nvSpPr>
+        <p:spPr/>
+        <p:txBody>
+          <a:bodyPr/>
+          <a:lstStyle/>
+          <a:p>
+            <a:fld id="{E4D7E63D-91F2-4366-A2C4-1B00C9E2590E}" type="slidenum">
+              <a:rPr lang="zh-TW" altLang="en-US" smtClean="0"/>
+              <a:pPr/>
+              <a:t>11</a:t>
             </a:fld>
             <a:endParaRPr lang="zh-TW" altLang="en-US"/>
           </a:p>
@@ -4055,7 +4505,7 @@
 </p:sld>
 </file>
 
-<file path=ppt/slides/slide11.xml><?xml version="1.0" encoding="utf-8"?>
+<file path=ppt/slides/slide12.xml><?xml version="1.0" encoding="utf-8"?>
 <p:sld xmlns:a="http://schemas.openxmlformats.org/drawingml/2006/main" xmlns:r="http://schemas.openxmlformats.org/officeDocument/2006/relationships" xmlns:p="http://schemas.openxmlformats.org/presentationml/2006/main">
   <p:cSld>
     <p:spTree>
@@ -4154,7 +4604,7 @@
             <a:fld id="{4E46BE27-E923-4EC2-B046-3272AE2A3E5C}" type="datetime1">
               <a:rPr lang="zh-TW" altLang="en-US" smtClean="0"/>
               <a:pPr/>
-              <a:t>2020/6/4</a:t>
+              <a:t>2020/6/6</a:t>
             </a:fld>
             <a:endParaRPr lang="zh-TW" altLang="en-US"/>
           </a:p>
@@ -4178,7 +4628,7 @@
             <a:fld id="{E4D7E63D-91F2-4366-A2C4-1B00C9E2590E}" type="slidenum">
               <a:rPr lang="zh-TW" altLang="en-US" smtClean="0"/>
               <a:pPr/>
-              <a:t>11</a:t>
+              <a:t>12</a:t>
             </a:fld>
             <a:endParaRPr lang="zh-TW" altLang="en-US"/>
           </a:p>
@@ -4556,7 +5006,7 @@
             <a:fld id="{A4F910E6-8D00-4BAF-8C48-9688E0B449D3}" type="datetime1">
               <a:rPr lang="zh-TW" altLang="en-US" smtClean="0"/>
               <a:pPr/>
-              <a:t>2020/6/4</a:t>
+              <a:t>2020/6/6</a:t>
             </a:fld>
             <a:endParaRPr lang="zh-TW" altLang="en-US"/>
           </a:p>
@@ -5246,7 +5696,7 @@
             <a:fld id="{A4F910E6-8D00-4BAF-8C48-9688E0B449D3}" type="datetime1">
               <a:rPr lang="zh-TW" altLang="en-US" smtClean="0"/>
               <a:pPr/>
-              <a:t>2020/6/4</a:t>
+              <a:t>2020/6/6</a:t>
             </a:fld>
             <a:endParaRPr lang="zh-TW" altLang="en-US"/>
           </a:p>
@@ -5744,7 +6194,7 @@
             <a:fld id="{A4F910E6-8D00-4BAF-8C48-9688E0B449D3}" type="datetime1">
               <a:rPr lang="zh-TW" altLang="en-US" smtClean="0"/>
               <a:pPr/>
-              <a:t>2020/6/4</a:t>
+              <a:t>2020/6/6</a:t>
             </a:fld>
             <a:endParaRPr lang="zh-TW" altLang="en-US"/>
           </a:p>
@@ -6115,7 +6565,7 @@
             <a:fld id="{A4F910E6-8D00-4BAF-8C48-9688E0B449D3}" type="datetime1">
               <a:rPr lang="zh-TW" altLang="en-US" smtClean="0"/>
               <a:pPr/>
-              <a:t>2020/6/4</a:t>
+              <a:t>2020/6/6</a:t>
             </a:fld>
             <a:endParaRPr lang="zh-TW" altLang="en-US"/>
           </a:p>
@@ -6312,6 +6762,420 @@
         </p:nvSpPr>
         <p:spPr>
           <a:xfrm>
+            <a:off x="0" y="1"/>
+            <a:ext cx="9144000" cy="764704"/>
+          </a:xfrm>
+          <a:gradFill flip="none" rotWithShape="1">
+            <a:gsLst>
+              <a:gs pos="0">
+                <a:srgbClr val="C00000">
+                  <a:shade val="30000"/>
+                  <a:satMod val="115000"/>
+                </a:srgbClr>
+              </a:gs>
+              <a:gs pos="50000">
+                <a:srgbClr val="C00000">
+                  <a:shade val="67500"/>
+                  <a:satMod val="115000"/>
+                </a:srgbClr>
+              </a:gs>
+              <a:gs pos="100000">
+                <a:srgbClr val="C00000">
+                  <a:shade val="100000"/>
+                  <a:satMod val="115000"/>
+                </a:srgbClr>
+              </a:gs>
+            </a:gsLst>
+            <a:path path="circle">
+              <a:fillToRect t="100000" r="100000"/>
+            </a:path>
+            <a:tileRect l="-100000" b="-100000"/>
+          </a:gradFill>
+        </p:spPr>
+        <p:txBody>
+          <a:bodyPr>
+            <a:normAutofit/>
+          </a:bodyPr>
+          <a:lstStyle/>
+          <a:p>
+            <a:pPr algn="l"/>
+            <a:r>
+              <a:rPr lang="en-US" altLang="zh-TW" b="1" dirty="0">
+                <a:solidFill>
+                  <a:srgbClr val="FFFF00"/>
+                </a:solidFill>
+              </a:rPr>
+              <a:t>10 Train, Validate, and Test</a:t>
+            </a:r>
+            <a:endParaRPr lang="zh-TW" altLang="en-US" b="1" dirty="0">
+              <a:solidFill>
+                <a:srgbClr val="FFFF00"/>
+              </a:solidFill>
+            </a:endParaRPr>
+          </a:p>
+        </p:txBody>
+      </p:sp>
+      <p:sp>
+        <p:nvSpPr>
+          <p:cNvPr id="3" name="副標題 2"/>
+          <p:cNvSpPr>
+            <a:spLocks noGrp="1"/>
+          </p:cNvSpPr>
+          <p:nvPr>
+            <p:ph type="subTitle" idx="1"/>
+          </p:nvPr>
+        </p:nvSpPr>
+        <p:spPr>
+          <a:xfrm>
+            <a:off x="457200" y="1325450"/>
+            <a:ext cx="1954560" cy="360040"/>
+          </a:xfrm>
+          <a:ln>
+            <a:solidFill>
+              <a:srgbClr val="C00000"/>
+            </a:solidFill>
+          </a:ln>
+        </p:spPr>
+        <p:txBody>
+          <a:bodyPr>
+            <a:noAutofit/>
+          </a:bodyPr>
+          <a:lstStyle/>
+          <a:p>
+            <a:pPr marL="342900" indent="-342900" algn="l">
+              <a:buClr>
+                <a:srgbClr val="0070C0"/>
+              </a:buClr>
+              <a:buSzPct val="80000"/>
+              <a:buFont typeface="Wingdings" pitchFamily="2" charset="2"/>
+              <a:buChar char="u"/>
+            </a:pPr>
+            <a:r>
+              <a:rPr lang="en-US" sz="1800" b="1" dirty="0" err="1">
+                <a:solidFill>
+                  <a:schemeClr val="tx1"/>
+                </a:solidFill>
+              </a:rPr>
+              <a:t>Keras</a:t>
+            </a:r>
+            <a:r>
+              <a:rPr lang="en-US" sz="1800" b="1" dirty="0">
+                <a:solidFill>
+                  <a:schemeClr val="tx1"/>
+                </a:solidFill>
+              </a:rPr>
+              <a:t> Code</a:t>
+            </a:r>
+          </a:p>
+          <a:p>
+            <a:pPr marL="342900" indent="-342900" algn="l">
+              <a:buClr>
+                <a:srgbClr val="0070C0"/>
+              </a:buClr>
+              <a:buSzPct val="80000"/>
+              <a:buFont typeface="Wingdings" pitchFamily="2" charset="2"/>
+              <a:buChar char="u"/>
+            </a:pPr>
+            <a:endParaRPr lang="en-US" sz="1800" dirty="0">
+              <a:solidFill>
+                <a:schemeClr val="tx1"/>
+              </a:solidFill>
+            </a:endParaRPr>
+          </a:p>
+        </p:txBody>
+      </p:sp>
+      <p:sp>
+        <p:nvSpPr>
+          <p:cNvPr id="4" name="標題 1"/>
+          <p:cNvSpPr txBox="1">
+            <a:spLocks/>
+          </p:cNvSpPr>
+          <p:nvPr/>
+        </p:nvSpPr>
+        <p:spPr>
+          <a:xfrm>
+            <a:off x="0" y="764704"/>
+            <a:ext cx="9144000" cy="360040"/>
+          </a:xfrm>
+          <a:prstGeom prst="rect">
+            <a:avLst/>
+          </a:prstGeom>
+          <a:gradFill flip="none" rotWithShape="1">
+            <a:gsLst>
+              <a:gs pos="0">
+                <a:srgbClr val="00B0F0">
+                  <a:shade val="30000"/>
+                  <a:satMod val="115000"/>
+                </a:srgbClr>
+              </a:gs>
+              <a:gs pos="50000">
+                <a:srgbClr val="00B0F0">
+                  <a:shade val="67500"/>
+                  <a:satMod val="115000"/>
+                </a:srgbClr>
+              </a:gs>
+              <a:gs pos="100000">
+                <a:srgbClr val="00B0F0">
+                  <a:shade val="100000"/>
+                  <a:satMod val="115000"/>
+                </a:srgbClr>
+              </a:gs>
+            </a:gsLst>
+            <a:path path="circle">
+              <a:fillToRect t="100000" r="100000"/>
+            </a:path>
+            <a:tileRect l="-100000" b="-100000"/>
+          </a:gradFill>
+        </p:spPr>
+        <p:txBody>
+          <a:bodyPr vert="horz" lIns="91440" tIns="45720" rIns="91440" bIns="45720" rtlCol="0" anchor="ctr">
+            <a:normAutofit/>
+          </a:bodyPr>
+          <a:lstStyle/>
+          <a:p>
+            <a:pPr lvl="0">
+              <a:spcBef>
+                <a:spcPct val="0"/>
+              </a:spcBef>
+            </a:pPr>
+            <a:r>
+              <a:rPr lang="en-US" sz="1600" dirty="0">
+                <a:hlinkClick r:id="rId2"/>
+              </a:rPr>
+              <a:t>https://www.youtube.com/watch?v=Zi-0rlM4RDs&amp;list=PLZbbT5o_s2xq7LwI2y8_QtvuXZedL6tQU&amp;index=10</a:t>
+            </a:r>
+            <a:endParaRPr kumimoji="0" lang="zh-TW" altLang="en-US" sz="1600" b="0" i="0" u="none" strike="noStrike" kern="1200" cap="none" spc="0" normalizeH="0" baseline="0" noProof="0" dirty="0">
+              <a:ln>
+                <a:noFill/>
+              </a:ln>
+              <a:solidFill>
+                <a:schemeClr val="tx1"/>
+              </a:solidFill>
+              <a:effectLst/>
+              <a:uLnTx/>
+              <a:uFillTx/>
+              <a:latin typeface="+mj-lt"/>
+              <a:ea typeface="+mj-ea"/>
+              <a:cs typeface="+mj-cs"/>
+            </a:endParaRPr>
+          </a:p>
+        </p:txBody>
+      </p:sp>
+      <p:sp>
+        <p:nvSpPr>
+          <p:cNvPr id="5" name="日期版面配置區 4"/>
+          <p:cNvSpPr>
+            <a:spLocks noGrp="1"/>
+          </p:cNvSpPr>
+          <p:nvPr>
+            <p:ph type="dt" sz="half" idx="10"/>
+          </p:nvPr>
+        </p:nvSpPr>
+        <p:spPr/>
+        <p:txBody>
+          <a:bodyPr/>
+          <a:lstStyle/>
+          <a:p>
+            <a:fld id="{A4F910E6-8D00-4BAF-8C48-9688E0B449D3}" type="datetime1">
+              <a:rPr lang="zh-TW" altLang="en-US" smtClean="0"/>
+              <a:pPr/>
+              <a:t>2020/6/6</a:t>
+            </a:fld>
+            <a:endParaRPr lang="zh-TW" altLang="en-US"/>
+          </a:p>
+        </p:txBody>
+      </p:sp>
+      <p:sp>
+        <p:nvSpPr>
+          <p:cNvPr id="6" name="投影片編號版面配置區 5"/>
+          <p:cNvSpPr>
+            <a:spLocks noGrp="1"/>
+          </p:cNvSpPr>
+          <p:nvPr>
+            <p:ph type="sldNum" sz="quarter" idx="12"/>
+          </p:nvPr>
+        </p:nvSpPr>
+        <p:spPr/>
+        <p:txBody>
+          <a:bodyPr/>
+          <a:lstStyle/>
+          <a:p>
+            <a:fld id="{E4D7E63D-91F2-4366-A2C4-1B00C9E2590E}" type="slidenum">
+              <a:rPr lang="zh-TW" altLang="en-US" smtClean="0"/>
+              <a:pPr/>
+              <a:t>6</a:t>
+            </a:fld>
+            <a:endParaRPr lang="zh-TW" altLang="en-US"/>
+          </a:p>
+        </p:txBody>
+      </p:sp>
+      <p:sp>
+        <p:nvSpPr>
+          <p:cNvPr id="9" name="AutoShape 2" descr="sigmoid function graph from wikipedia">
+            <a:extLst>
+              <a:ext uri="{FF2B5EF4-FFF2-40B4-BE49-F238E27FC236}">
+                <a16:creationId xmlns:a16="http://schemas.microsoft.com/office/drawing/2014/main" id="{A311E718-FAFB-4335-A102-364AE2E5A11E}"/>
+              </a:ext>
+            </a:extLst>
+          </p:cNvPr>
+          <p:cNvSpPr>
+            <a:spLocks noChangeAspect="1" noChangeArrowheads="1"/>
+          </p:cNvSpPr>
+          <p:nvPr/>
+        </p:nvSpPr>
+        <p:spPr bwMode="auto">
+          <a:xfrm>
+            <a:off x="4724400" y="5013176"/>
+            <a:ext cx="304800" cy="304800"/>
+          </a:xfrm>
+          <a:prstGeom prst="rect">
+            <a:avLst/>
+          </a:prstGeom>
+          <a:noFill/>
+          <a:extLst>
+            <a:ext uri="{909E8E84-426E-40DD-AFC4-6F175D3DCCD1}">
+              <a14:hiddenFill xmlns:a14="http://schemas.microsoft.com/office/drawing/2010/main">
+                <a:solidFill>
+                  <a:srgbClr val="FFFFFF"/>
+                </a:solidFill>
+              </a14:hiddenFill>
+            </a:ext>
+          </a:extLst>
+        </p:spPr>
+        <p:txBody>
+          <a:bodyPr vert="horz" wrap="square" lIns="91440" tIns="45720" rIns="91440" bIns="45720" numCol="1" anchor="t" anchorCtr="0" compatLnSpc="1">
+            <a:prstTxWarp prst="textNoShape">
+              <a:avLst/>
+            </a:prstTxWarp>
+          </a:bodyPr>
+          <a:lstStyle/>
+          <a:p>
+            <a:endParaRPr lang="en-US"/>
+          </a:p>
+        </p:txBody>
+      </p:sp>
+      <p:sp>
+        <p:nvSpPr>
+          <p:cNvPr id="10" name="AutoShape 4" descr="sigmoid function graph from wikipedia">
+            <a:extLst>
+              <a:ext uri="{FF2B5EF4-FFF2-40B4-BE49-F238E27FC236}">
+                <a16:creationId xmlns:a16="http://schemas.microsoft.com/office/drawing/2014/main" id="{7884B138-9100-4946-A189-4522F878DA8C}"/>
+              </a:ext>
+            </a:extLst>
+          </p:cNvPr>
+          <p:cNvSpPr>
+            <a:spLocks noChangeAspect="1" noChangeArrowheads="1"/>
+          </p:cNvSpPr>
+          <p:nvPr/>
+        </p:nvSpPr>
+        <p:spPr bwMode="auto">
+          <a:xfrm>
+            <a:off x="4572000" y="3429000"/>
+            <a:ext cx="304800" cy="304800"/>
+          </a:xfrm>
+          <a:prstGeom prst="rect">
+            <a:avLst/>
+          </a:prstGeom>
+          <a:noFill/>
+          <a:extLst>
+            <a:ext uri="{909E8E84-426E-40DD-AFC4-6F175D3DCCD1}">
+              <a14:hiddenFill xmlns:a14="http://schemas.microsoft.com/office/drawing/2010/main">
+                <a:solidFill>
+                  <a:srgbClr val="FFFFFF"/>
+                </a:solidFill>
+              </a14:hiddenFill>
+            </a:ext>
+          </a:extLst>
+        </p:spPr>
+        <p:txBody>
+          <a:bodyPr vert="horz" wrap="square" lIns="91440" tIns="45720" rIns="91440" bIns="45720" numCol="1" anchor="t" anchorCtr="0" compatLnSpc="1">
+            <a:prstTxWarp prst="textNoShape">
+              <a:avLst/>
+            </a:prstTxWarp>
+          </a:bodyPr>
+          <a:lstStyle/>
+          <a:p>
+            <a:endParaRPr lang="en-US"/>
+          </a:p>
+        </p:txBody>
+      </p:sp>
+      <p:pic>
+        <p:nvPicPr>
+          <p:cNvPr id="8" name="Picture 7">
+            <a:extLst>
+              <a:ext uri="{FF2B5EF4-FFF2-40B4-BE49-F238E27FC236}">
+                <a16:creationId xmlns:a16="http://schemas.microsoft.com/office/drawing/2014/main" id="{12C96B17-E86C-47B9-907B-26D903A07F35}"/>
+              </a:ext>
+            </a:extLst>
+          </p:cNvPr>
+          <p:cNvPicPr>
+            <a:picLocks noChangeAspect="1"/>
+          </p:cNvPicPr>
+          <p:nvPr/>
+        </p:nvPicPr>
+        <p:blipFill>
+          <a:blip r:embed="rId3"/>
+          <a:stretch>
+            <a:fillRect/>
+          </a:stretch>
+        </p:blipFill>
+        <p:spPr>
+          <a:xfrm>
+            <a:off x="2801368" y="1322288"/>
+            <a:ext cx="4789668" cy="5216624"/>
+          </a:xfrm>
+          <a:prstGeom prst="rect">
+            <a:avLst/>
+          </a:prstGeom>
+          <a:ln>
+            <a:solidFill>
+              <a:srgbClr val="C00000"/>
+            </a:solidFill>
+          </a:ln>
+        </p:spPr>
+      </p:pic>
+    </p:spTree>
+    <p:extLst>
+      <p:ext uri="{BB962C8B-B14F-4D97-AF65-F5344CB8AC3E}">
+        <p14:creationId xmlns:p14="http://schemas.microsoft.com/office/powerpoint/2010/main" val="117662174"/>
+      </p:ext>
+    </p:extLst>
+  </p:cSld>
+  <p:clrMapOvr>
+    <a:masterClrMapping/>
+  </p:clrMapOvr>
+</p:sld>
+</file>
+
+<file path=ppt/slides/slide7.xml><?xml version="1.0" encoding="utf-8"?>
+<p:sld xmlns:a="http://schemas.openxmlformats.org/drawingml/2006/main" xmlns:r="http://schemas.openxmlformats.org/officeDocument/2006/relationships" xmlns:p="http://schemas.openxmlformats.org/presentationml/2006/main">
+  <p:cSld>
+    <p:spTree>
+      <p:nvGrpSpPr>
+        <p:cNvPr id="1" name=""/>
+        <p:cNvGrpSpPr/>
+        <p:nvPr/>
+      </p:nvGrpSpPr>
+      <p:grpSpPr>
+        <a:xfrm>
+          <a:off x="0" y="0"/>
+          <a:ext cx="0" cy="0"/>
+          <a:chOff x="0" y="0"/>
+          <a:chExt cx="0" cy="0"/>
+        </a:xfrm>
+      </p:grpSpPr>
+      <p:sp>
+        <p:nvSpPr>
+          <p:cNvPr id="2" name="標題 1"/>
+          <p:cNvSpPr>
+            <a:spLocks noGrp="1"/>
+          </p:cNvSpPr>
+          <p:nvPr>
+            <p:ph type="ctrTitle"/>
+          </p:nvPr>
+        </p:nvSpPr>
+        <p:spPr>
+          <a:xfrm>
             <a:off x="0" y="2175162"/>
             <a:ext cx="9144000" cy="1470025"/>
           </a:xfrm>
@@ -6359,7 +7223,7 @@
             <a:fld id="{C389EDC9-19E3-47AC-9C57-C6A24DEA81AD}" type="datetime1">
               <a:rPr lang="zh-TW" altLang="en-US" smtClean="0"/>
               <a:pPr/>
-              <a:t>2020/6/4</a:t>
+              <a:t>2020/6/6</a:t>
             </a:fld>
             <a:endParaRPr lang="zh-TW" altLang="en-US"/>
           </a:p>
@@ -6383,7 +7247,7 @@
             <a:fld id="{E4D7E63D-91F2-4366-A2C4-1B00C9E2590E}" type="slidenum">
               <a:rPr lang="zh-TW" altLang="en-US" smtClean="0"/>
               <a:pPr/>
-              <a:t>6</a:t>
+              <a:t>7</a:t>
             </a:fld>
             <a:endParaRPr lang="zh-TW" altLang="en-US"/>
           </a:p>
@@ -6449,7 +7313,7 @@
 </p:sld>
 </file>
 
-<file path=ppt/slides/slide7.xml><?xml version="1.0" encoding="utf-8"?>
+<file path=ppt/slides/slide8.xml><?xml version="1.0" encoding="utf-8"?>
 <p:sld xmlns:a="http://schemas.openxmlformats.org/drawingml/2006/main" xmlns:r="http://schemas.openxmlformats.org/officeDocument/2006/relationships" xmlns:p="http://schemas.openxmlformats.org/presentationml/2006/main">
   <p:cSld>
     <p:spTree>
@@ -6613,7 +7477,7 @@
             <a:fld id="{A4F910E6-8D00-4BAF-8C48-9688E0B449D3}" type="datetime1">
               <a:rPr lang="zh-TW" altLang="en-US" smtClean="0"/>
               <a:pPr/>
-              <a:t>2020/6/4</a:t>
+              <a:t>2020/6/6</a:t>
             </a:fld>
             <a:endParaRPr lang="zh-TW" altLang="en-US"/>
           </a:p>
@@ -6637,7 +7501,7 @@
             <a:fld id="{E4D7E63D-91F2-4366-A2C4-1B00C9E2590E}" type="slidenum">
               <a:rPr lang="zh-TW" altLang="en-US" smtClean="0"/>
               <a:pPr/>
-              <a:t>7</a:t>
+              <a:t>8</a:t>
             </a:fld>
             <a:endParaRPr lang="zh-TW" altLang="en-US"/>
           </a:p>
@@ -6898,7 +7762,7 @@
 </p:sld>
 </file>
 
-<file path=ppt/slides/slide8.xml><?xml version="1.0" encoding="utf-8"?>
+<file path=ppt/slides/slide9.xml><?xml version="1.0" encoding="utf-8"?>
 <p:sld xmlns:a="http://schemas.openxmlformats.org/drawingml/2006/main" xmlns:r="http://schemas.openxmlformats.org/officeDocument/2006/relationships" xmlns:p="http://schemas.openxmlformats.org/presentationml/2006/main">
   <p:cSld>
     <p:spTree>
@@ -7062,7 +7926,7 @@
             <a:fld id="{A4F910E6-8D00-4BAF-8C48-9688E0B449D3}" type="datetime1">
               <a:rPr lang="zh-TW" altLang="en-US" smtClean="0"/>
               <a:pPr/>
-              <a:t>2020/6/4</a:t>
+              <a:t>2020/6/6</a:t>
             </a:fld>
             <a:endParaRPr lang="zh-TW" altLang="en-US"/>
           </a:p>
@@ -7086,7 +7950,7 @@
             <a:fld id="{E4D7E63D-91F2-4366-A2C4-1B00C9E2590E}" type="slidenum">
               <a:rPr lang="zh-TW" altLang="en-US" smtClean="0"/>
               <a:pPr/>
-              <a:t>8</a:t>
+              <a:t>9</a:t>
             </a:fld>
             <a:endParaRPr lang="zh-TW" altLang="en-US"/>
           </a:p>
@@ -7338,455 +8202,6 @@
     <p:extLst>
       <p:ext uri="{BB962C8B-B14F-4D97-AF65-F5344CB8AC3E}">
         <p14:creationId xmlns:p14="http://schemas.microsoft.com/office/powerpoint/2010/main" val="3032140818"/>
-      </p:ext>
-    </p:extLst>
-  </p:cSld>
-  <p:clrMapOvr>
-    <a:masterClrMapping/>
-  </p:clrMapOvr>
-</p:sld>
-</file>
-
-<file path=ppt/slides/slide9.xml><?xml version="1.0" encoding="utf-8"?>
-<p:sld xmlns:a="http://schemas.openxmlformats.org/drawingml/2006/main" xmlns:r="http://schemas.openxmlformats.org/officeDocument/2006/relationships" xmlns:p="http://schemas.openxmlformats.org/presentationml/2006/main">
-  <p:cSld>
-    <p:spTree>
-      <p:nvGrpSpPr>
-        <p:cNvPr id="1" name=""/>
-        <p:cNvGrpSpPr/>
-        <p:nvPr/>
-      </p:nvGrpSpPr>
-      <p:grpSpPr>
-        <a:xfrm>
-          <a:off x="0" y="0"/>
-          <a:ext cx="0" cy="0"/>
-          <a:chOff x="0" y="0"/>
-          <a:chExt cx="0" cy="0"/>
-        </a:xfrm>
-      </p:grpSpPr>
-      <p:sp>
-        <p:nvSpPr>
-          <p:cNvPr id="2" name="標題 1"/>
-          <p:cNvSpPr>
-            <a:spLocks noGrp="1"/>
-          </p:cNvSpPr>
-          <p:nvPr>
-            <p:ph type="ctrTitle"/>
-          </p:nvPr>
-        </p:nvSpPr>
-        <p:spPr>
-          <a:xfrm>
-            <a:off x="0" y="1"/>
-            <a:ext cx="9144000" cy="764704"/>
-          </a:xfrm>
-          <a:gradFill flip="none" rotWithShape="1">
-            <a:gsLst>
-              <a:gs pos="0">
-                <a:srgbClr val="C00000">
-                  <a:shade val="30000"/>
-                  <a:satMod val="115000"/>
-                </a:srgbClr>
-              </a:gs>
-              <a:gs pos="50000">
-                <a:srgbClr val="C00000">
-                  <a:shade val="67500"/>
-                  <a:satMod val="115000"/>
-                </a:srgbClr>
-              </a:gs>
-              <a:gs pos="100000">
-                <a:srgbClr val="C00000">
-                  <a:shade val="100000"/>
-                  <a:satMod val="115000"/>
-                </a:srgbClr>
-              </a:gs>
-            </a:gsLst>
-            <a:path path="circle">
-              <a:fillToRect t="100000" r="100000"/>
-            </a:path>
-            <a:tileRect l="-100000" b="-100000"/>
-          </a:gradFill>
-        </p:spPr>
-        <p:txBody>
-          <a:bodyPr>
-            <a:normAutofit/>
-          </a:bodyPr>
-          <a:lstStyle/>
-          <a:p>
-            <a:pPr algn="l"/>
-            <a:r>
-              <a:rPr lang="en-US" altLang="zh-TW" b="1" dirty="0">
-                <a:solidFill>
-                  <a:srgbClr val="FFFF00"/>
-                </a:solidFill>
-              </a:rPr>
-              <a:t>10.1 Quiz</a:t>
-            </a:r>
-            <a:endParaRPr lang="zh-TW" altLang="en-US" b="1" dirty="0">
-              <a:solidFill>
-                <a:srgbClr val="FFFF00"/>
-              </a:solidFill>
-            </a:endParaRPr>
-          </a:p>
-        </p:txBody>
-      </p:sp>
-      <p:sp>
-        <p:nvSpPr>
-          <p:cNvPr id="4" name="標題 1"/>
-          <p:cNvSpPr txBox="1">
-            <a:spLocks/>
-          </p:cNvSpPr>
-          <p:nvPr/>
-        </p:nvSpPr>
-        <p:spPr>
-          <a:xfrm>
-            <a:off x="0" y="764704"/>
-            <a:ext cx="9144000" cy="360040"/>
-          </a:xfrm>
-          <a:prstGeom prst="rect">
-            <a:avLst/>
-          </a:prstGeom>
-          <a:gradFill flip="none" rotWithShape="1">
-            <a:gsLst>
-              <a:gs pos="0">
-                <a:srgbClr val="00B0F0">
-                  <a:shade val="30000"/>
-                  <a:satMod val="115000"/>
-                </a:srgbClr>
-              </a:gs>
-              <a:gs pos="50000">
-                <a:srgbClr val="00B0F0">
-                  <a:shade val="67500"/>
-                  <a:satMod val="115000"/>
-                </a:srgbClr>
-              </a:gs>
-              <a:gs pos="100000">
-                <a:srgbClr val="00B0F0">
-                  <a:shade val="100000"/>
-                  <a:satMod val="115000"/>
-                </a:srgbClr>
-              </a:gs>
-            </a:gsLst>
-            <a:path path="circle">
-              <a:fillToRect t="100000" r="100000"/>
-            </a:path>
-            <a:tileRect l="-100000" b="-100000"/>
-          </a:gradFill>
-        </p:spPr>
-        <p:txBody>
-          <a:bodyPr vert="horz" lIns="91440" tIns="45720" rIns="91440" bIns="45720" rtlCol="0" anchor="ctr">
-            <a:normAutofit/>
-          </a:bodyPr>
-          <a:lstStyle/>
-          <a:p>
-            <a:pPr lvl="0">
-              <a:spcBef>
-                <a:spcPct val="0"/>
-              </a:spcBef>
-            </a:pPr>
-            <a:r>
-              <a:rPr lang="en-US" sz="1600" dirty="0">
-                <a:hlinkClick r:id="rId2"/>
-              </a:rPr>
-              <a:t>https://www.youtube.com/watch?v=jWT-AX9677k&amp;list=PLZbbT5o_s2xq7LwI2y8_QtvuXZedL6tQU&amp;index=9</a:t>
-            </a:r>
-            <a:endParaRPr lang="zh-TW" altLang="en-US" sz="1600" dirty="0"/>
-          </a:p>
-        </p:txBody>
-      </p:sp>
-      <p:sp>
-        <p:nvSpPr>
-          <p:cNvPr id="5" name="日期版面配置區 4"/>
-          <p:cNvSpPr>
-            <a:spLocks noGrp="1"/>
-          </p:cNvSpPr>
-          <p:nvPr>
-            <p:ph type="dt" sz="half" idx="10"/>
-          </p:nvPr>
-        </p:nvSpPr>
-        <p:spPr/>
-        <p:txBody>
-          <a:bodyPr/>
-          <a:lstStyle/>
-          <a:p>
-            <a:fld id="{A4F910E6-8D00-4BAF-8C48-9688E0B449D3}" type="datetime1">
-              <a:rPr lang="zh-TW" altLang="en-US" smtClean="0"/>
-              <a:pPr/>
-              <a:t>2020/6/4</a:t>
-            </a:fld>
-            <a:endParaRPr lang="zh-TW" altLang="en-US"/>
-          </a:p>
-        </p:txBody>
-      </p:sp>
-      <p:sp>
-        <p:nvSpPr>
-          <p:cNvPr id="6" name="投影片編號版面配置區 5"/>
-          <p:cNvSpPr>
-            <a:spLocks noGrp="1"/>
-          </p:cNvSpPr>
-          <p:nvPr>
-            <p:ph type="sldNum" sz="quarter" idx="12"/>
-          </p:nvPr>
-        </p:nvSpPr>
-        <p:spPr/>
-        <p:txBody>
-          <a:bodyPr/>
-          <a:lstStyle/>
-          <a:p>
-            <a:fld id="{E4D7E63D-91F2-4366-A2C4-1B00C9E2590E}" type="slidenum">
-              <a:rPr lang="zh-TW" altLang="en-US" smtClean="0"/>
-              <a:pPr/>
-              <a:t>9</a:t>
-            </a:fld>
-            <a:endParaRPr lang="zh-TW" altLang="en-US"/>
-          </a:p>
-        </p:txBody>
-      </p:sp>
-      <p:sp>
-        <p:nvSpPr>
-          <p:cNvPr id="10" name="副標題 2">
-            <a:extLst>
-              <a:ext uri="{FF2B5EF4-FFF2-40B4-BE49-F238E27FC236}">
-                <a16:creationId xmlns:a16="http://schemas.microsoft.com/office/drawing/2014/main" id="{85E3A0F9-8A12-49C5-96C7-A2424A576F44}"/>
-              </a:ext>
-            </a:extLst>
-          </p:cNvPr>
-          <p:cNvSpPr txBox="1">
-            <a:spLocks/>
-          </p:cNvSpPr>
-          <p:nvPr/>
-        </p:nvSpPr>
-        <p:spPr>
-          <a:xfrm>
-            <a:off x="510362" y="1196753"/>
-            <a:ext cx="1109310" cy="396836"/>
-          </a:xfrm>
-          <a:prstGeom prst="rect">
-            <a:avLst/>
-          </a:prstGeom>
-          <a:ln>
-            <a:solidFill>
-              <a:srgbClr val="C00000"/>
-            </a:solidFill>
-          </a:ln>
-        </p:spPr>
-        <p:txBody>
-          <a:bodyPr vert="horz" lIns="91440" tIns="45720" rIns="91440" bIns="45720" rtlCol="0">
-            <a:noAutofit/>
-          </a:bodyPr>
-          <a:lstStyle>
-            <a:lvl1pPr marL="0" indent="0" algn="ctr" defTabSz="914400" rtl="0" eaLnBrk="1" latinLnBrk="0" hangingPunct="1">
-              <a:spcBef>
-                <a:spcPct val="20000"/>
-              </a:spcBef>
-              <a:buFont typeface="Arial" pitchFamily="34" charset="0"/>
-              <a:buNone/>
-              <a:defRPr sz="3200" kern="1200">
-                <a:solidFill>
-                  <a:schemeClr val="tx1">
-                    <a:tint val="75000"/>
-                  </a:schemeClr>
-                </a:solidFill>
-                <a:latin typeface="+mn-lt"/>
-                <a:ea typeface="+mn-ea"/>
-                <a:cs typeface="+mn-cs"/>
-              </a:defRPr>
-            </a:lvl1pPr>
-            <a:lvl2pPr marL="457200" indent="0" algn="ctr" defTabSz="914400" rtl="0" eaLnBrk="1" latinLnBrk="0" hangingPunct="1">
-              <a:spcBef>
-                <a:spcPct val="20000"/>
-              </a:spcBef>
-              <a:buFont typeface="Arial" pitchFamily="34" charset="0"/>
-              <a:buNone/>
-              <a:defRPr sz="2800" kern="1200">
-                <a:solidFill>
-                  <a:schemeClr val="tx1">
-                    <a:tint val="75000"/>
-                  </a:schemeClr>
-                </a:solidFill>
-                <a:latin typeface="+mn-lt"/>
-                <a:ea typeface="+mn-ea"/>
-                <a:cs typeface="+mn-cs"/>
-              </a:defRPr>
-            </a:lvl2pPr>
-            <a:lvl3pPr marL="914400" indent="0" algn="ctr" defTabSz="914400" rtl="0" eaLnBrk="1" latinLnBrk="0" hangingPunct="1">
-              <a:spcBef>
-                <a:spcPct val="20000"/>
-              </a:spcBef>
-              <a:buFont typeface="Arial" pitchFamily="34" charset="0"/>
-              <a:buNone/>
-              <a:defRPr sz="2400" kern="1200">
-                <a:solidFill>
-                  <a:schemeClr val="tx1">
-                    <a:tint val="75000"/>
-                  </a:schemeClr>
-                </a:solidFill>
-                <a:latin typeface="+mn-lt"/>
-                <a:ea typeface="+mn-ea"/>
-                <a:cs typeface="+mn-cs"/>
-              </a:defRPr>
-            </a:lvl3pPr>
-            <a:lvl4pPr marL="1371600" indent="0" algn="ctr" defTabSz="914400" rtl="0" eaLnBrk="1" latinLnBrk="0" hangingPunct="1">
-              <a:spcBef>
-                <a:spcPct val="20000"/>
-              </a:spcBef>
-              <a:buFont typeface="Arial" pitchFamily="34" charset="0"/>
-              <a:buNone/>
-              <a:defRPr sz="2000" kern="1200">
-                <a:solidFill>
-                  <a:schemeClr val="tx1">
-                    <a:tint val="75000"/>
-                  </a:schemeClr>
-                </a:solidFill>
-                <a:latin typeface="+mn-lt"/>
-                <a:ea typeface="+mn-ea"/>
-                <a:cs typeface="+mn-cs"/>
-              </a:defRPr>
-            </a:lvl4pPr>
-            <a:lvl5pPr marL="1828800" indent="0" algn="ctr" defTabSz="914400" rtl="0" eaLnBrk="1" latinLnBrk="0" hangingPunct="1">
-              <a:spcBef>
-                <a:spcPct val="20000"/>
-              </a:spcBef>
-              <a:buFont typeface="Arial" pitchFamily="34" charset="0"/>
-              <a:buNone/>
-              <a:defRPr sz="2000" kern="1200">
-                <a:solidFill>
-                  <a:schemeClr val="tx1">
-                    <a:tint val="75000"/>
-                  </a:schemeClr>
-                </a:solidFill>
-                <a:latin typeface="+mn-lt"/>
-                <a:ea typeface="+mn-ea"/>
-                <a:cs typeface="+mn-cs"/>
-              </a:defRPr>
-            </a:lvl5pPr>
-            <a:lvl6pPr marL="2286000" indent="0" algn="ctr" defTabSz="914400" rtl="0" eaLnBrk="1" latinLnBrk="0" hangingPunct="1">
-              <a:spcBef>
-                <a:spcPct val="20000"/>
-              </a:spcBef>
-              <a:buFont typeface="Arial" pitchFamily="34" charset="0"/>
-              <a:buNone/>
-              <a:defRPr sz="2000" kern="1200">
-                <a:solidFill>
-                  <a:schemeClr val="tx1">
-                    <a:tint val="75000"/>
-                  </a:schemeClr>
-                </a:solidFill>
-                <a:latin typeface="+mn-lt"/>
-                <a:ea typeface="+mn-ea"/>
-                <a:cs typeface="+mn-cs"/>
-              </a:defRPr>
-            </a:lvl6pPr>
-            <a:lvl7pPr marL="2743200" indent="0" algn="ctr" defTabSz="914400" rtl="0" eaLnBrk="1" latinLnBrk="0" hangingPunct="1">
-              <a:spcBef>
-                <a:spcPct val="20000"/>
-              </a:spcBef>
-              <a:buFont typeface="Arial" pitchFamily="34" charset="0"/>
-              <a:buNone/>
-              <a:defRPr sz="2000" kern="1200">
-                <a:solidFill>
-                  <a:schemeClr val="tx1">
-                    <a:tint val="75000"/>
-                  </a:schemeClr>
-                </a:solidFill>
-                <a:latin typeface="+mn-lt"/>
-                <a:ea typeface="+mn-ea"/>
-                <a:cs typeface="+mn-cs"/>
-              </a:defRPr>
-            </a:lvl7pPr>
-            <a:lvl8pPr marL="3200400" indent="0" algn="ctr" defTabSz="914400" rtl="0" eaLnBrk="1" latinLnBrk="0" hangingPunct="1">
-              <a:spcBef>
-                <a:spcPct val="20000"/>
-              </a:spcBef>
-              <a:buFont typeface="Arial" pitchFamily="34" charset="0"/>
-              <a:buNone/>
-              <a:defRPr sz="2000" kern="1200">
-                <a:solidFill>
-                  <a:schemeClr val="tx1">
-                    <a:tint val="75000"/>
-                  </a:schemeClr>
-                </a:solidFill>
-                <a:latin typeface="+mn-lt"/>
-                <a:ea typeface="+mn-ea"/>
-                <a:cs typeface="+mn-cs"/>
-              </a:defRPr>
-            </a:lvl8pPr>
-            <a:lvl9pPr marL="3657600" indent="0" algn="ctr" defTabSz="914400" rtl="0" eaLnBrk="1" latinLnBrk="0" hangingPunct="1">
-              <a:spcBef>
-                <a:spcPct val="20000"/>
-              </a:spcBef>
-              <a:buFont typeface="Arial" pitchFamily="34" charset="0"/>
-              <a:buNone/>
-              <a:defRPr sz="2000" kern="1200">
-                <a:solidFill>
-                  <a:schemeClr val="tx1">
-                    <a:tint val="75000"/>
-                  </a:schemeClr>
-                </a:solidFill>
-                <a:latin typeface="+mn-lt"/>
-                <a:ea typeface="+mn-ea"/>
-                <a:cs typeface="+mn-cs"/>
-              </a:defRPr>
-            </a:lvl9pPr>
-          </a:lstStyle>
-          <a:p>
-            <a:pPr marL="342900" indent="-342900" algn="l">
-              <a:buClr>
-                <a:srgbClr val="0070C0"/>
-              </a:buClr>
-              <a:buSzPct val="80000"/>
-              <a:buFont typeface="Wingdings" pitchFamily="2" charset="2"/>
-              <a:buChar char="u"/>
-            </a:pPr>
-            <a:r>
-              <a:rPr lang="en-US" sz="1800" b="1" dirty="0">
-                <a:solidFill>
-                  <a:schemeClr val="tx1"/>
-                </a:solidFill>
-              </a:rPr>
-              <a:t>Quiz</a:t>
-            </a:r>
-          </a:p>
-        </p:txBody>
-      </p:sp>
-      <p:pic>
-        <p:nvPicPr>
-          <p:cNvPr id="7" name="Picture 6">
-            <a:extLst>
-              <a:ext uri="{FF2B5EF4-FFF2-40B4-BE49-F238E27FC236}">
-                <a16:creationId xmlns:a16="http://schemas.microsoft.com/office/drawing/2014/main" id="{3A36E5E9-068F-4DEE-862C-7BB41B16EEA0}"/>
-              </a:ext>
-            </a:extLst>
-          </p:cNvPr>
-          <p:cNvPicPr>
-            <a:picLocks noChangeAspect="1"/>
-          </p:cNvPicPr>
-          <p:nvPr/>
-        </p:nvPicPr>
-        <p:blipFill>
-          <a:blip r:embed="rId3"/>
-          <a:stretch>
-            <a:fillRect/>
-          </a:stretch>
-        </p:blipFill>
-        <p:spPr>
-          <a:xfrm>
-            <a:off x="2267744" y="1196753"/>
-            <a:ext cx="5616624" cy="5187631"/>
-          </a:xfrm>
-          <a:prstGeom prst="rect">
-            <a:avLst/>
-          </a:prstGeom>
-          <a:ln>
-            <a:solidFill>
-              <a:srgbClr val="C00000"/>
-            </a:solidFill>
-          </a:ln>
-        </p:spPr>
-      </p:pic>
-    </p:spTree>
-    <p:extLst>
-      <p:ext uri="{BB962C8B-B14F-4D97-AF65-F5344CB8AC3E}">
-        <p14:creationId xmlns:p14="http://schemas.microsoft.com/office/powerpoint/2010/main" val="3671784834"/>
       </p:ext>
     </p:extLst>
   </p:cSld>
